--- a/ASSIGNMENT PPT.pptx
+++ b/ASSIGNMENT PPT.pptx
@@ -14120,7 +14120,7 @@
           <a:p>
             <a:fld id="{6C4AD7F8-CE26-4C45-9FC3-95528E750542}" type="datetimeFigureOut">
               <a:rPr lang="en-IN" smtClean="0"/>
-              <a:t>22-08-2023</a:t>
+              <a:t>29-08-2023</a:t>
             </a:fld>
             <a:endParaRPr lang="en-IN"/>
           </a:p>
@@ -14178,13 +14178,13 @@
   <p:clrMapOvr>
     <a:masterClrMapping/>
   </p:clrMapOvr>
-  <mc:AlternateContent xmlns:mc="http://schemas.openxmlformats.org/markup-compatibility/2006">
-    <mc:Choice xmlns:p15="http://schemas.microsoft.com/office/powerpoint/2012/main" Requires="p15">
+  <mc:AlternateContent xmlns:mc="http://schemas.openxmlformats.org/markup-compatibility/2006" xmlns:p15="http://schemas.microsoft.com/office/powerpoint/2012/main">
+    <mc:Choice Requires="p15">
       <p:transition xmlns:p14="http://schemas.microsoft.com/office/powerpoint/2010/main" spd="slow" p14:dur="1250">
         <p15:prstTrans prst="pageCurlDouble"/>
       </p:transition>
     </mc:Choice>
-    <mc:Fallback>
+    <mc:Fallback xmlns="">
       <p:transition spd="slow">
         <p:fade/>
       </p:transition>
@@ -14423,7 +14423,7 @@
           <a:p>
             <a:fld id="{6C4AD7F8-CE26-4C45-9FC3-95528E750542}" type="datetimeFigureOut">
               <a:rPr lang="en-IN" smtClean="0"/>
-              <a:t>22-08-2023</a:t>
+              <a:t>29-08-2023</a:t>
             </a:fld>
             <a:endParaRPr lang="en-IN"/>
           </a:p>
@@ -14481,13 +14481,13 @@
   <p:clrMapOvr>
     <a:masterClrMapping/>
   </p:clrMapOvr>
-  <mc:AlternateContent xmlns:mc="http://schemas.openxmlformats.org/markup-compatibility/2006">
-    <mc:Choice xmlns:p15="http://schemas.microsoft.com/office/powerpoint/2012/main" Requires="p15">
+  <mc:AlternateContent xmlns:mc="http://schemas.openxmlformats.org/markup-compatibility/2006" xmlns:p15="http://schemas.microsoft.com/office/powerpoint/2012/main">
+    <mc:Choice Requires="p15">
       <p:transition xmlns:p14="http://schemas.microsoft.com/office/powerpoint/2010/main" spd="slow" p14:dur="1250">
         <p15:prstTrans prst="pageCurlDouble"/>
       </p:transition>
     </mc:Choice>
-    <mc:Fallback>
+    <mc:Fallback xmlns="">
       <p:transition spd="slow">
         <p:fade/>
       </p:transition>
@@ -14694,7 +14694,7 @@
           <a:p>
             <a:fld id="{6C4AD7F8-CE26-4C45-9FC3-95528E750542}" type="datetimeFigureOut">
               <a:rPr lang="en-IN" smtClean="0"/>
-              <a:t>22-08-2023</a:t>
+              <a:t>29-08-2023</a:t>
             </a:fld>
             <a:endParaRPr lang="en-IN"/>
           </a:p>
@@ -14752,13 +14752,13 @@
   <p:clrMapOvr>
     <a:masterClrMapping/>
   </p:clrMapOvr>
-  <mc:AlternateContent xmlns:mc="http://schemas.openxmlformats.org/markup-compatibility/2006">
-    <mc:Choice xmlns:p15="http://schemas.microsoft.com/office/powerpoint/2012/main" Requires="p15">
+  <mc:AlternateContent xmlns:mc="http://schemas.openxmlformats.org/markup-compatibility/2006" xmlns:p15="http://schemas.microsoft.com/office/powerpoint/2012/main">
+    <mc:Choice Requires="p15">
       <p:transition xmlns:p14="http://schemas.microsoft.com/office/powerpoint/2010/main" spd="slow" p14:dur="1250">
         <p15:prstTrans prst="pageCurlDouble"/>
       </p:transition>
     </mc:Choice>
-    <mc:Fallback>
+    <mc:Fallback xmlns="">
       <p:transition spd="slow">
         <p:fade/>
       </p:transition>
@@ -15175,7 +15175,7 @@
           <a:p>
             <a:fld id="{6C4AD7F8-CE26-4C45-9FC3-95528E750542}" type="datetimeFigureOut">
               <a:rPr lang="en-IN" smtClean="0"/>
-              <a:t>22-08-2023</a:t>
+              <a:t>29-08-2023</a:t>
             </a:fld>
             <a:endParaRPr lang="en-IN"/>
           </a:p>
@@ -15233,13 +15233,13 @@
   <p:clrMapOvr>
     <a:masterClrMapping/>
   </p:clrMapOvr>
-  <mc:AlternateContent xmlns:mc="http://schemas.openxmlformats.org/markup-compatibility/2006">
-    <mc:Choice xmlns:p15="http://schemas.microsoft.com/office/powerpoint/2012/main" Requires="p15">
+  <mc:AlternateContent xmlns:mc="http://schemas.openxmlformats.org/markup-compatibility/2006" xmlns:p15="http://schemas.microsoft.com/office/powerpoint/2012/main">
+    <mc:Choice Requires="p15">
       <p:transition xmlns:p14="http://schemas.microsoft.com/office/powerpoint/2010/main" spd="slow" p14:dur="1250">
         <p15:prstTrans prst="pageCurlDouble"/>
       </p:transition>
     </mc:Choice>
-    <mc:Fallback>
+    <mc:Fallback xmlns="">
       <p:transition spd="slow">
         <p:fade/>
       </p:transition>
@@ -15367,7 +15367,7 @@
           <a:p>
             <a:fld id="{6C4AD7F8-CE26-4C45-9FC3-95528E750542}" type="datetimeFigureOut">
               <a:rPr lang="en-IN" smtClean="0"/>
-              <a:t>22-08-2023</a:t>
+              <a:t>29-08-2023</a:t>
             </a:fld>
             <a:endParaRPr lang="en-IN"/>
           </a:p>
@@ -15425,13 +15425,13 @@
   <p:clrMapOvr>
     <a:masterClrMapping/>
   </p:clrMapOvr>
-  <mc:AlternateContent xmlns:mc="http://schemas.openxmlformats.org/markup-compatibility/2006">
-    <mc:Choice xmlns:p15="http://schemas.microsoft.com/office/powerpoint/2012/main" Requires="p15">
+  <mc:AlternateContent xmlns:mc="http://schemas.openxmlformats.org/markup-compatibility/2006" xmlns:p15="http://schemas.microsoft.com/office/powerpoint/2012/main">
+    <mc:Choice Requires="p15">
       <p:transition xmlns:p14="http://schemas.microsoft.com/office/powerpoint/2010/main" spd="slow" p14:dur="1250">
         <p15:prstTrans prst="pageCurlDouble"/>
       </p:transition>
     </mc:Choice>
-    <mc:Fallback>
+    <mc:Fallback xmlns="">
       <p:transition spd="slow">
         <p:fade/>
       </p:transition>
@@ -15955,7 +15955,7 @@
           <a:p>
             <a:fld id="{6C4AD7F8-CE26-4C45-9FC3-95528E750542}" type="datetimeFigureOut">
               <a:rPr lang="en-IN" smtClean="0"/>
-              <a:t>22-08-2023</a:t>
+              <a:t>29-08-2023</a:t>
             </a:fld>
             <a:endParaRPr lang="en-IN"/>
           </a:p>
@@ -16013,13 +16013,13 @@
   <p:clrMapOvr>
     <a:masterClrMapping/>
   </p:clrMapOvr>
-  <mc:AlternateContent xmlns:mc="http://schemas.openxmlformats.org/markup-compatibility/2006">
-    <mc:Choice xmlns:p15="http://schemas.microsoft.com/office/powerpoint/2012/main" Requires="p15">
+  <mc:AlternateContent xmlns:mc="http://schemas.openxmlformats.org/markup-compatibility/2006" xmlns:p15="http://schemas.microsoft.com/office/powerpoint/2012/main">
+    <mc:Choice Requires="p15">
       <p:transition xmlns:p14="http://schemas.microsoft.com/office/powerpoint/2010/main" spd="slow" p14:dur="1250">
         <p15:prstTrans prst="pageCurlDouble"/>
       </p:transition>
     </mc:Choice>
-    <mc:Fallback>
+    <mc:Fallback xmlns="">
       <p:transition spd="slow">
         <p:fade/>
       </p:transition>
@@ -16299,7 +16299,7 @@
           <a:p>
             <a:fld id="{6C4AD7F8-CE26-4C45-9FC3-95528E750542}" type="datetimeFigureOut">
               <a:rPr lang="en-IN" smtClean="0"/>
-              <a:t>22-08-2023</a:t>
+              <a:t>29-08-2023</a:t>
             </a:fld>
             <a:endParaRPr lang="en-IN"/>
           </a:p>
@@ -16357,13 +16357,13 @@
   <p:clrMapOvr>
     <a:masterClrMapping/>
   </p:clrMapOvr>
-  <mc:AlternateContent xmlns:mc="http://schemas.openxmlformats.org/markup-compatibility/2006">
-    <mc:Choice xmlns:p15="http://schemas.microsoft.com/office/powerpoint/2012/main" Requires="p15">
+  <mc:AlternateContent xmlns:mc="http://schemas.openxmlformats.org/markup-compatibility/2006" xmlns:p15="http://schemas.microsoft.com/office/powerpoint/2012/main">
+    <mc:Choice Requires="p15">
       <p:transition xmlns:p14="http://schemas.microsoft.com/office/powerpoint/2010/main" spd="slow" p14:dur="1250">
         <p15:prstTrans prst="pageCurlDouble"/>
       </p:transition>
     </mc:Choice>
-    <mc:Fallback>
+    <mc:Fallback xmlns="">
       <p:transition spd="slow">
         <p:fade/>
       </p:transition>
@@ -16486,7 +16486,7 @@
           <a:p>
             <a:fld id="{6C4AD7F8-CE26-4C45-9FC3-95528E750542}" type="datetimeFigureOut">
               <a:rPr lang="en-IN" smtClean="0"/>
-              <a:t>22-08-2023</a:t>
+              <a:t>29-08-2023</a:t>
             </a:fld>
             <a:endParaRPr lang="en-IN"/>
           </a:p>
@@ -16544,13 +16544,13 @@
   <p:clrMapOvr>
     <a:masterClrMapping/>
   </p:clrMapOvr>
-  <mc:AlternateContent xmlns:mc="http://schemas.openxmlformats.org/markup-compatibility/2006">
-    <mc:Choice xmlns:p15="http://schemas.microsoft.com/office/powerpoint/2012/main" Requires="p15">
+  <mc:AlternateContent xmlns:mc="http://schemas.openxmlformats.org/markup-compatibility/2006" xmlns:p15="http://schemas.microsoft.com/office/powerpoint/2012/main">
+    <mc:Choice Requires="p15">
       <p:transition xmlns:p14="http://schemas.microsoft.com/office/powerpoint/2010/main" spd="slow" p14:dur="1250">
         <p15:prstTrans prst="pageCurlDouble"/>
       </p:transition>
     </mc:Choice>
-    <mc:Fallback>
+    <mc:Fallback xmlns="">
       <p:transition spd="slow">
         <p:fade/>
       </p:transition>
@@ -16678,7 +16678,7 @@
           <a:p>
             <a:fld id="{6C4AD7F8-CE26-4C45-9FC3-95528E750542}" type="datetimeFigureOut">
               <a:rPr lang="en-IN" smtClean="0"/>
-              <a:t>22-08-2023</a:t>
+              <a:t>29-08-2023</a:t>
             </a:fld>
             <a:endParaRPr lang="en-IN"/>
           </a:p>
@@ -16736,13 +16736,13 @@
   <p:clrMapOvr>
     <a:masterClrMapping/>
   </p:clrMapOvr>
-  <mc:AlternateContent xmlns:mc="http://schemas.openxmlformats.org/markup-compatibility/2006">
-    <mc:Choice xmlns:p15="http://schemas.microsoft.com/office/powerpoint/2012/main" Requires="p15">
+  <mc:AlternateContent xmlns:mc="http://schemas.openxmlformats.org/markup-compatibility/2006" xmlns:p15="http://schemas.microsoft.com/office/powerpoint/2012/main">
+    <mc:Choice Requires="p15">
       <p:transition xmlns:p14="http://schemas.microsoft.com/office/powerpoint/2010/main" spd="slow" p14:dur="1250">
         <p15:prstTrans prst="pageCurlDouble"/>
       </p:transition>
     </mc:Choice>
-    <mc:Fallback>
+    <mc:Fallback xmlns="">
       <p:transition spd="slow">
         <p:fade/>
       </p:transition>
@@ -16860,7 +16860,7 @@
           <a:p>
             <a:fld id="{6C4AD7F8-CE26-4C45-9FC3-95528E750542}" type="datetimeFigureOut">
               <a:rPr lang="en-IN" smtClean="0"/>
-              <a:t>22-08-2023</a:t>
+              <a:t>29-08-2023</a:t>
             </a:fld>
             <a:endParaRPr lang="en-IN"/>
           </a:p>
@@ -16918,13 +16918,13 @@
   <p:clrMapOvr>
     <a:masterClrMapping/>
   </p:clrMapOvr>
-  <mc:AlternateContent xmlns:mc="http://schemas.openxmlformats.org/markup-compatibility/2006">
-    <mc:Choice xmlns:p15="http://schemas.microsoft.com/office/powerpoint/2012/main" Requires="p15">
+  <mc:AlternateContent xmlns:mc="http://schemas.openxmlformats.org/markup-compatibility/2006" xmlns:p15="http://schemas.microsoft.com/office/powerpoint/2012/main">
+    <mc:Choice Requires="p15">
       <p:transition xmlns:p14="http://schemas.microsoft.com/office/powerpoint/2010/main" spd="slow" p14:dur="1250">
         <p15:prstTrans prst="pageCurlDouble"/>
       </p:transition>
     </mc:Choice>
-    <mc:Fallback>
+    <mc:Fallback xmlns="">
       <p:transition spd="slow">
         <p:fade/>
       </p:transition>
@@ -17129,7 +17129,7 @@
           <a:p>
             <a:fld id="{6C4AD7F8-CE26-4C45-9FC3-95528E750542}" type="datetimeFigureOut">
               <a:rPr lang="en-IN" smtClean="0"/>
-              <a:t>22-08-2023</a:t>
+              <a:t>29-08-2023</a:t>
             </a:fld>
             <a:endParaRPr lang="en-IN"/>
           </a:p>
@@ -17187,13 +17187,13 @@
   <p:clrMapOvr>
     <a:masterClrMapping/>
   </p:clrMapOvr>
-  <mc:AlternateContent xmlns:mc="http://schemas.openxmlformats.org/markup-compatibility/2006">
-    <mc:Choice xmlns:p15="http://schemas.microsoft.com/office/powerpoint/2012/main" Requires="p15">
+  <mc:AlternateContent xmlns:mc="http://schemas.openxmlformats.org/markup-compatibility/2006" xmlns:p15="http://schemas.microsoft.com/office/powerpoint/2012/main">
+    <mc:Choice Requires="p15">
       <p:transition xmlns:p14="http://schemas.microsoft.com/office/powerpoint/2010/main" spd="slow" p14:dur="1250">
         <p15:prstTrans prst="pageCurlDouble"/>
       </p:transition>
     </mc:Choice>
-    <mc:Fallback>
+    <mc:Fallback xmlns="">
       <p:transition spd="slow">
         <p:fade/>
       </p:transition>
@@ -17433,7 +17433,7 @@
           <a:p>
             <a:fld id="{6C4AD7F8-CE26-4C45-9FC3-95528E750542}" type="datetimeFigureOut">
               <a:rPr lang="en-IN" smtClean="0"/>
-              <a:t>22-08-2023</a:t>
+              <a:t>29-08-2023</a:t>
             </a:fld>
             <a:endParaRPr lang="en-IN"/>
           </a:p>
@@ -17491,13 +17491,13 @@
   <p:clrMapOvr>
     <a:masterClrMapping/>
   </p:clrMapOvr>
-  <mc:AlternateContent xmlns:mc="http://schemas.openxmlformats.org/markup-compatibility/2006">
-    <mc:Choice xmlns:p15="http://schemas.microsoft.com/office/powerpoint/2012/main" Requires="p15">
+  <mc:AlternateContent xmlns:mc="http://schemas.openxmlformats.org/markup-compatibility/2006" xmlns:p15="http://schemas.microsoft.com/office/powerpoint/2012/main">
+    <mc:Choice Requires="p15">
       <p:transition xmlns:p14="http://schemas.microsoft.com/office/powerpoint/2010/main" spd="slow" p14:dur="1250">
         <p15:prstTrans prst="pageCurlDouble"/>
       </p:transition>
     </mc:Choice>
-    <mc:Fallback>
+    <mc:Fallback xmlns="">
       <p:transition spd="slow">
         <p:fade/>
       </p:transition>
@@ -17875,7 +17875,7 @@
           <a:p>
             <a:fld id="{6C4AD7F8-CE26-4C45-9FC3-95528E750542}" type="datetimeFigureOut">
               <a:rPr lang="en-IN" smtClean="0"/>
-              <a:t>22-08-2023</a:t>
+              <a:t>29-08-2023</a:t>
             </a:fld>
             <a:endParaRPr lang="en-IN"/>
           </a:p>
@@ -17933,13 +17933,13 @@
   <p:clrMapOvr>
     <a:masterClrMapping/>
   </p:clrMapOvr>
-  <mc:AlternateContent xmlns:mc="http://schemas.openxmlformats.org/markup-compatibility/2006">
-    <mc:Choice xmlns:p15="http://schemas.microsoft.com/office/powerpoint/2012/main" Requires="p15">
+  <mc:AlternateContent xmlns:mc="http://schemas.openxmlformats.org/markup-compatibility/2006" xmlns:p15="http://schemas.microsoft.com/office/powerpoint/2012/main">
+    <mc:Choice Requires="p15">
       <p:transition xmlns:p14="http://schemas.microsoft.com/office/powerpoint/2010/main" spd="slow" p14:dur="1250">
         <p15:prstTrans prst="pageCurlDouble"/>
       </p:transition>
     </mc:Choice>
-    <mc:Fallback>
+    <mc:Fallback xmlns="">
       <p:transition spd="slow">
         <p:fade/>
       </p:transition>
@@ -18005,7 +18005,7 @@
           <a:p>
             <a:fld id="{6C4AD7F8-CE26-4C45-9FC3-95528E750542}" type="datetimeFigureOut">
               <a:rPr lang="en-IN" smtClean="0"/>
-              <a:t>22-08-2023</a:t>
+              <a:t>29-08-2023</a:t>
             </a:fld>
             <a:endParaRPr lang="en-IN"/>
           </a:p>
@@ -18063,13 +18063,13 @@
   <p:clrMapOvr>
     <a:masterClrMapping/>
   </p:clrMapOvr>
-  <mc:AlternateContent xmlns:mc="http://schemas.openxmlformats.org/markup-compatibility/2006">
-    <mc:Choice xmlns:p15="http://schemas.microsoft.com/office/powerpoint/2012/main" Requires="p15">
+  <mc:AlternateContent xmlns:mc="http://schemas.openxmlformats.org/markup-compatibility/2006" xmlns:p15="http://schemas.microsoft.com/office/powerpoint/2012/main">
+    <mc:Choice Requires="p15">
       <p:transition xmlns:p14="http://schemas.microsoft.com/office/powerpoint/2010/main" spd="slow" p14:dur="1250">
         <p15:prstTrans prst="pageCurlDouble"/>
       </p:transition>
     </mc:Choice>
-    <mc:Fallback>
+    <mc:Fallback xmlns="">
       <p:transition spd="slow">
         <p:fade/>
       </p:transition>
@@ -18112,7 +18112,7 @@
           <a:p>
             <a:fld id="{6C4AD7F8-CE26-4C45-9FC3-95528E750542}" type="datetimeFigureOut">
               <a:rPr lang="en-IN" smtClean="0"/>
-              <a:t>22-08-2023</a:t>
+              <a:t>29-08-2023</a:t>
             </a:fld>
             <a:endParaRPr lang="en-IN"/>
           </a:p>
@@ -18170,13 +18170,13 @@
   <p:clrMapOvr>
     <a:masterClrMapping/>
   </p:clrMapOvr>
-  <mc:AlternateContent xmlns:mc="http://schemas.openxmlformats.org/markup-compatibility/2006">
-    <mc:Choice xmlns:p15="http://schemas.microsoft.com/office/powerpoint/2012/main" Requires="p15">
+  <mc:AlternateContent xmlns:mc="http://schemas.openxmlformats.org/markup-compatibility/2006" xmlns:p15="http://schemas.microsoft.com/office/powerpoint/2012/main">
+    <mc:Choice Requires="p15">
       <p:transition xmlns:p14="http://schemas.microsoft.com/office/powerpoint/2010/main" spd="slow" p14:dur="1250">
         <p15:prstTrans prst="pageCurlDouble"/>
       </p:transition>
     </mc:Choice>
-    <mc:Fallback>
+    <mc:Fallback xmlns="">
       <p:transition spd="slow">
         <p:fade/>
       </p:transition>
@@ -18407,7 +18407,7 @@
           <a:p>
             <a:fld id="{6C4AD7F8-CE26-4C45-9FC3-95528E750542}" type="datetimeFigureOut">
               <a:rPr lang="en-IN" smtClean="0"/>
-              <a:t>22-08-2023</a:t>
+              <a:t>29-08-2023</a:t>
             </a:fld>
             <a:endParaRPr lang="en-IN"/>
           </a:p>
@@ -18465,13 +18465,13 @@
   <p:clrMapOvr>
     <a:masterClrMapping/>
   </p:clrMapOvr>
-  <mc:AlternateContent xmlns:mc="http://schemas.openxmlformats.org/markup-compatibility/2006">
-    <mc:Choice xmlns:p15="http://schemas.microsoft.com/office/powerpoint/2012/main" Requires="p15">
+  <mc:AlternateContent xmlns:mc="http://schemas.openxmlformats.org/markup-compatibility/2006" xmlns:p15="http://schemas.microsoft.com/office/powerpoint/2012/main">
+    <mc:Choice Requires="p15">
       <p:transition xmlns:p14="http://schemas.microsoft.com/office/powerpoint/2010/main" spd="slow" p14:dur="1250">
         <p15:prstTrans prst="pageCurlDouble"/>
       </p:transition>
     </mc:Choice>
-    <mc:Fallback>
+    <mc:Fallback xmlns="">
       <p:transition spd="slow">
         <p:fade/>
       </p:transition>
@@ -18710,7 +18710,7 @@
           <a:p>
             <a:fld id="{6C4AD7F8-CE26-4C45-9FC3-95528E750542}" type="datetimeFigureOut">
               <a:rPr lang="en-IN" smtClean="0"/>
-              <a:t>22-08-2023</a:t>
+              <a:t>29-08-2023</a:t>
             </a:fld>
             <a:endParaRPr lang="en-IN"/>
           </a:p>
@@ -18778,13 +18778,13 @@
   <p:clrMapOvr>
     <a:masterClrMapping/>
   </p:clrMapOvr>
-  <mc:AlternateContent xmlns:mc="http://schemas.openxmlformats.org/markup-compatibility/2006">
-    <mc:Choice xmlns:p15="http://schemas.microsoft.com/office/powerpoint/2012/main" Requires="p15">
+  <mc:AlternateContent xmlns:mc="http://schemas.openxmlformats.org/markup-compatibility/2006" xmlns:p15="http://schemas.microsoft.com/office/powerpoint/2012/main">
+    <mc:Choice Requires="p15">
       <p:transition xmlns:p14="http://schemas.microsoft.com/office/powerpoint/2010/main" spd="slow" p14:dur="1250">
         <p15:prstTrans prst="pageCurlDouble"/>
       </p:transition>
     </mc:Choice>
-    <mc:Fallback>
+    <mc:Fallback xmlns="">
       <p:transition spd="slow">
         <p:fade/>
       </p:transition>
@@ -18953,7 +18953,7 @@
           <a:p>
             <a:fld id="{6C4AD7F8-CE26-4C45-9FC3-95528E750542}" type="datetimeFigureOut">
               <a:rPr lang="en-IN" smtClean="0"/>
-              <a:t>22-08-2023</a:t>
+              <a:t>29-08-2023</a:t>
             </a:fld>
             <a:endParaRPr lang="en-IN"/>
           </a:p>
@@ -19080,13 +19080,13 @@
     <p:sldLayoutId id="2147483904" r:id="rId16"/>
     <p:sldLayoutId id="2147483905" r:id="rId17"/>
   </p:sldLayoutIdLst>
-  <mc:AlternateContent xmlns:mc="http://schemas.openxmlformats.org/markup-compatibility/2006">
-    <mc:Choice xmlns:p15="http://schemas.microsoft.com/office/powerpoint/2012/main" Requires="p15">
+  <mc:AlternateContent xmlns:mc="http://schemas.openxmlformats.org/markup-compatibility/2006" xmlns:p15="http://schemas.microsoft.com/office/powerpoint/2012/main">
+    <mc:Choice Requires="p15">
       <p:transition xmlns:p14="http://schemas.microsoft.com/office/powerpoint/2010/main" spd="slow" p14:dur="1250">
         <p15:prstTrans prst="pageCurlDouble"/>
       </p:transition>
     </mc:Choice>
-    <mc:Fallback>
+    <mc:Fallback xmlns="">
       <p:transition spd="slow">
         <p:fade/>
       </p:transition>
@@ -19888,13 +19888,13 @@
   <p:clrMapOvr>
     <a:masterClrMapping/>
   </p:clrMapOvr>
-  <mc:AlternateContent xmlns:mc="http://schemas.openxmlformats.org/markup-compatibility/2006">
-    <mc:Choice xmlns:p15="http://schemas.microsoft.com/office/powerpoint/2012/main" Requires="p15">
+  <mc:AlternateContent xmlns:mc="http://schemas.openxmlformats.org/markup-compatibility/2006" xmlns:p15="http://schemas.microsoft.com/office/powerpoint/2012/main">
+    <mc:Choice Requires="p15">
       <p:transition spd="med">
         <p15:prstTrans prst="pageCurlDouble"/>
       </p:transition>
     </mc:Choice>
-    <mc:Fallback>
+    <mc:Fallback xmlns="">
       <p:transition spd="med">
         <p:fade/>
       </p:transition>
@@ -20100,13 +20100,13 @@
   <p:clrMapOvr>
     <a:masterClrMapping/>
   </p:clrMapOvr>
-  <mc:AlternateContent xmlns:mc="http://schemas.openxmlformats.org/markup-compatibility/2006">
-    <mc:Choice xmlns:p15="http://schemas.microsoft.com/office/powerpoint/2012/main" Requires="p15">
+  <mc:AlternateContent xmlns:mc="http://schemas.openxmlformats.org/markup-compatibility/2006" xmlns:p15="http://schemas.microsoft.com/office/powerpoint/2012/main">
+    <mc:Choice Requires="p15">
       <p:transition xmlns:p14="http://schemas.microsoft.com/office/powerpoint/2010/main" spd="slow" p14:dur="1250">
         <p15:prstTrans prst="pageCurlDouble"/>
       </p:transition>
     </mc:Choice>
-    <mc:Fallback>
+    <mc:Fallback xmlns="">
       <p:transition spd="slow">
         <p:fade/>
       </p:transition>
@@ -20275,13 +20275,13 @@
   <p:clrMapOvr>
     <a:masterClrMapping/>
   </p:clrMapOvr>
-  <mc:AlternateContent xmlns:mc="http://schemas.openxmlformats.org/markup-compatibility/2006">
-    <mc:Choice xmlns:p15="http://schemas.microsoft.com/office/powerpoint/2012/main" Requires="p15">
+  <mc:AlternateContent xmlns:mc="http://schemas.openxmlformats.org/markup-compatibility/2006" xmlns:p15="http://schemas.microsoft.com/office/powerpoint/2012/main">
+    <mc:Choice Requires="p15">
       <p:transition xmlns:p14="http://schemas.microsoft.com/office/powerpoint/2010/main" spd="slow" p14:dur="1250">
         <p15:prstTrans prst="pageCurlDouble"/>
       </p:transition>
     </mc:Choice>
-    <mc:Fallback>
+    <mc:Fallback xmlns="">
       <p:transition spd="slow">
         <p:fade/>
       </p:transition>
@@ -20420,13 +20420,13 @@
   <p:clrMapOvr>
     <a:masterClrMapping/>
   </p:clrMapOvr>
-  <mc:AlternateContent xmlns:mc="http://schemas.openxmlformats.org/markup-compatibility/2006">
-    <mc:Choice xmlns:p15="http://schemas.microsoft.com/office/powerpoint/2012/main" Requires="p15">
+  <mc:AlternateContent xmlns:mc="http://schemas.openxmlformats.org/markup-compatibility/2006" xmlns:p15="http://schemas.microsoft.com/office/powerpoint/2012/main">
+    <mc:Choice Requires="p15">
       <p:transition xmlns:p14="http://schemas.microsoft.com/office/powerpoint/2010/main" spd="slow" p14:dur="1250">
         <p15:prstTrans prst="pageCurlDouble"/>
       </p:transition>
     </mc:Choice>
-    <mc:Fallback>
+    <mc:Fallback xmlns="">
       <p:transition spd="slow">
         <p:fade/>
       </p:transition>
@@ -20595,13 +20595,13 @@
   <p:clrMapOvr>
     <a:masterClrMapping/>
   </p:clrMapOvr>
-  <mc:AlternateContent xmlns:mc="http://schemas.openxmlformats.org/markup-compatibility/2006">
-    <mc:Choice xmlns:p15="http://schemas.microsoft.com/office/powerpoint/2012/main" Requires="p15">
+  <mc:AlternateContent xmlns:mc="http://schemas.openxmlformats.org/markup-compatibility/2006" xmlns:p15="http://schemas.microsoft.com/office/powerpoint/2012/main">
+    <mc:Choice Requires="p15">
       <p:transition xmlns:p14="http://schemas.microsoft.com/office/powerpoint/2010/main" spd="slow" p14:dur="1250">
         <p15:prstTrans prst="pageCurlDouble"/>
       </p:transition>
     </mc:Choice>
-    <mc:Fallback>
+    <mc:Fallback xmlns="">
       <p:transition spd="slow">
         <p:fade/>
       </p:transition>
@@ -20740,13 +20740,13 @@
   <p:clrMapOvr>
     <a:masterClrMapping/>
   </p:clrMapOvr>
-  <mc:AlternateContent xmlns:mc="http://schemas.openxmlformats.org/markup-compatibility/2006">
-    <mc:Choice xmlns:p15="http://schemas.microsoft.com/office/powerpoint/2012/main" Requires="p15">
+  <mc:AlternateContent xmlns:mc="http://schemas.openxmlformats.org/markup-compatibility/2006" xmlns:p15="http://schemas.microsoft.com/office/powerpoint/2012/main">
+    <mc:Choice Requires="p15">
       <p:transition xmlns:p14="http://schemas.microsoft.com/office/powerpoint/2010/main" spd="slow" p14:dur="1250">
         <p15:prstTrans prst="pageCurlDouble"/>
       </p:transition>
     </mc:Choice>
-    <mc:Fallback>
+    <mc:Fallback xmlns="">
       <p:transition spd="slow">
         <p:fade/>
       </p:transition>
@@ -20946,13 +20946,13 @@
   <p:clrMapOvr>
     <a:masterClrMapping/>
   </p:clrMapOvr>
-  <mc:AlternateContent xmlns:mc="http://schemas.openxmlformats.org/markup-compatibility/2006">
-    <mc:Choice xmlns:p15="http://schemas.microsoft.com/office/powerpoint/2012/main" Requires="p15">
+  <mc:AlternateContent xmlns:mc="http://schemas.openxmlformats.org/markup-compatibility/2006" xmlns:p15="http://schemas.microsoft.com/office/powerpoint/2012/main">
+    <mc:Choice Requires="p15">
       <p:transition xmlns:p14="http://schemas.microsoft.com/office/powerpoint/2010/main" spd="slow" p14:dur="1250">
         <p15:prstTrans prst="pageCurlDouble"/>
       </p:transition>
     </mc:Choice>
-    <mc:Fallback>
+    <mc:Fallback xmlns="">
       <p:transition spd="slow">
         <p:fade/>
       </p:transition>
@@ -21087,13 +21087,13 @@
   <p:clrMapOvr>
     <a:masterClrMapping/>
   </p:clrMapOvr>
-  <mc:AlternateContent xmlns:mc="http://schemas.openxmlformats.org/markup-compatibility/2006">
-    <mc:Choice xmlns:p15="http://schemas.microsoft.com/office/powerpoint/2012/main" Requires="p15">
+  <mc:AlternateContent xmlns:mc="http://schemas.openxmlformats.org/markup-compatibility/2006" xmlns:p15="http://schemas.microsoft.com/office/powerpoint/2012/main">
+    <mc:Choice Requires="p15">
       <p:transition xmlns:p14="http://schemas.microsoft.com/office/powerpoint/2010/main" spd="slow" p14:dur="1250">
         <p15:prstTrans prst="pageCurlDouble"/>
       </p:transition>
     </mc:Choice>
-    <mc:Fallback>
+    <mc:Fallback xmlns="">
       <p:transition spd="slow">
         <p:fade/>
       </p:transition>
@@ -21178,13 +21178,13 @@
   <p:clrMapOvr>
     <a:masterClrMapping/>
   </p:clrMapOvr>
-  <mc:AlternateContent xmlns:mc="http://schemas.openxmlformats.org/markup-compatibility/2006">
-    <mc:Choice xmlns:p15="http://schemas.microsoft.com/office/powerpoint/2012/main" Requires="p15">
+  <mc:AlternateContent xmlns:mc="http://schemas.openxmlformats.org/markup-compatibility/2006" xmlns:p15="http://schemas.microsoft.com/office/powerpoint/2012/main">
+    <mc:Choice Requires="p15">
       <p:transition xmlns:p14="http://schemas.microsoft.com/office/powerpoint/2010/main" spd="slow" p14:dur="1250">
         <p15:prstTrans prst="pageCurlDouble"/>
       </p:transition>
     </mc:Choice>
-    <mc:Fallback>
+    <mc:Fallback xmlns="">
       <p:transition spd="slow">
         <p:fade/>
       </p:transition>
